--- a/Area de proceso Gestion Configuracion/PGC_0.1_2015.pptx
+++ b/Area de proceso Gestion Configuracion/PGC_0.1_2015.pptx
@@ -370,7 +370,7 @@
           <a:p>
             <a:fld id="{82513D9A-F844-4E4E-9B61-10A9F1692485}" type="datetimeFigureOut">
               <a:rPr lang="es-PE" smtClean="0"/>
-              <a:t>24/06/2015</a:t>
+              <a:t>21/07/2015</a:t>
             </a:fld>
             <a:endParaRPr lang="es-PE"/>
           </a:p>
@@ -22834,19 +22834,7 @@
                           <a:cs typeface="Arial"/>
                           <a:sym typeface="Arial"/>
                         </a:rPr>
-                        <a:t>“</a:t>
-                      </a:r>
-                      <a:r>
-                        <a:rPr lang="en-US" sz="1200" b="0" i="0" u="none" strike="noStrike" cap="none" baseline="0" dirty="0" smtClean="0">
-                          <a:solidFill>
-                            <a:srgbClr val="000066"/>
-                          </a:solidFill>
-                          <a:latin typeface="Arial"/>
-                          <a:ea typeface="Arial"/>
-                          <a:cs typeface="Arial"/>
-                          <a:sym typeface="Arial"/>
-                        </a:rPr>
-                        <a:t>FSOLACC_2015  </a:t>
+                        <a:t>“FSOLACC_2015  </a:t>
                       </a:r>
                       <a:r>
                         <a:rPr lang="en-US" sz="1200" b="0" i="0" u="none" strike="noStrike" cap="none" baseline="0" dirty="0" err="1">
@@ -28170,7 +28158,7 @@
           <p:nvPr>
             <p:extLst>
               <p:ext uri="{D42A27DB-BD31-4B8C-83A1-F6EECF244321}">
-                <p14:modId xmlns:p14="http://schemas.microsoft.com/office/powerpoint/2010/main" val="1460302737"/>
+                <p14:modId xmlns:p14="http://schemas.microsoft.com/office/powerpoint/2010/main" val="3633171068"/>
               </p:ext>
             </p:extLst>
           </p:nvPr>
@@ -29429,7 +29417,7 @@
                         <a:t>Se </a:t>
                       </a:r>
                       <a:r>
-                        <a:rPr lang="en-US" sz="1200" b="0" i="0" u="none" strike="noStrike" cap="none" baseline="0" dirty="0" err="1">
+                        <a:rPr lang="es-PE" sz="1200" b="0" i="0" u="none" strike="noStrike" cap="none" baseline="0" noProof="0" dirty="0" smtClean="0">
                           <a:solidFill>
                             <a:srgbClr val="000066"/>
                           </a:solidFill>
@@ -29441,6 +29429,18 @@
                         <a:t>enfoca</a:t>
                       </a:r>
                       <a:r>
+                        <a:rPr lang="en-US" sz="1200" b="0" i="0" u="none" strike="noStrike" cap="none" baseline="0" dirty="0" smtClean="0">
+                          <a:solidFill>
+                            <a:srgbClr val="000066"/>
+                          </a:solidFill>
+                          <a:latin typeface="Arial"/>
+                          <a:ea typeface="Arial"/>
+                          <a:cs typeface="Arial"/>
+                          <a:sym typeface="Arial"/>
+                        </a:rPr>
+                        <a:t> </a:t>
+                      </a:r>
+                      <a:r>
                         <a:rPr lang="en-US" sz="1200" b="0" i="0" u="none" strike="noStrike" cap="none" baseline="0" dirty="0">
                           <a:solidFill>
                             <a:srgbClr val="000066"/>
@@ -29450,7 +29450,7 @@
                           <a:cs typeface="Arial"/>
                           <a:sym typeface="Arial"/>
                         </a:rPr>
-                        <a:t> a la </a:t>
+                        <a:t>a la </a:t>
                       </a:r>
                       <a:r>
                         <a:rPr lang="en-US" sz="1200" b="0" i="0" u="none" strike="noStrike" cap="none" baseline="0" dirty="0" err="1">
@@ -36569,31 +36569,7 @@
                           <a:cs typeface="Arial"/>
                           <a:sym typeface="Arial"/>
                         </a:rPr>
-                        <a:t>FSOLACC</a:t>
-                      </a:r>
-                      <a:r>
-                        <a:rPr lang="en-US" sz="1200" b="0" i="0" u="none" strike="noStrike" cap="none" baseline="0" dirty="0" smtClean="0">
-                          <a:solidFill>
-                            <a:srgbClr val="000066"/>
-                          </a:solidFill>
-                          <a:latin typeface="Arial"/>
-                          <a:ea typeface="Arial"/>
-                          <a:cs typeface="Arial"/>
-                          <a:sym typeface="Arial"/>
-                        </a:rPr>
-                        <a:t>_#.#_</a:t>
-                      </a:r>
-                      <a:r>
-                        <a:rPr lang="en-US" sz="1200" b="0" i="0" u="none" strike="noStrike" cap="none" baseline="0" dirty="0" smtClean="0">
-                          <a:solidFill>
-                            <a:srgbClr val="000066"/>
-                          </a:solidFill>
-                          <a:latin typeface="Arial"/>
-                          <a:ea typeface="Arial"/>
-                          <a:cs typeface="Arial"/>
-                          <a:sym typeface="Arial"/>
-                        </a:rPr>
-                        <a:t>2014 </a:t>
+                        <a:t>FSOLACC_#.#_2014 </a:t>
                       </a:r>
                       <a:r>
                         <a:rPr lang="en-US" sz="1200" b="0" i="0" u="none" strike="noStrike" cap="none" baseline="0" dirty="0" err="1" smtClean="0">
@@ -37313,10 +37289,22 @@
                 <a:cs typeface="Arial"/>
                 <a:sym typeface="Arial"/>
               </a:rPr>
-              <a:t> de </a:t>
-            </a:r>
-            <a:r>
-              <a:rPr lang="en-US" sz="3200" b="0" i="0" u="none" strike="noStrike" cap="none" baseline="0" dirty="0" err="1">
+              <a:t> </a:t>
+            </a:r>
+            <a:r>
+              <a:rPr lang="en-US" sz="3200" b="0" i="0" u="none" strike="noStrike" cap="none" baseline="0">
+                <a:solidFill>
+                  <a:schemeClr val="tx1"/>
+                </a:solidFill>
+                <a:latin typeface="Arial"/>
+                <a:ea typeface="Arial"/>
+                <a:cs typeface="Arial"/>
+                <a:sym typeface="Arial"/>
+              </a:rPr>
+              <a:t>de </a:t>
+            </a:r>
+            <a:r>
+              <a:rPr lang="es-PE" sz="3200" b="0" i="0" u="none" strike="noStrike" cap="none" baseline="0" dirty="0" smtClean="0">
                 <a:solidFill>
                   <a:schemeClr val="tx1"/>
                 </a:solidFill>
@@ -37327,7 +37315,7 @@
               </a:rPr>
               <a:t>revisiones</a:t>
             </a:r>
-            <a:endParaRPr lang="en-US" sz="3200" b="0" i="0" u="none" strike="noStrike" cap="none" baseline="0" dirty="0">
+            <a:endParaRPr lang="es-PE" sz="3200" b="0" i="0" u="none" strike="noStrike" cap="none" baseline="0" dirty="0">
               <a:solidFill>
                 <a:schemeClr val="tx1"/>
               </a:solidFill>
@@ -37346,7 +37334,7 @@
           <p:nvPr>
             <p:extLst>
               <p:ext uri="{D42A27DB-BD31-4B8C-83A1-F6EECF244321}">
-                <p14:modId xmlns:p14="http://schemas.microsoft.com/office/powerpoint/2010/main" val="489230970"/>
+                <p14:modId xmlns:p14="http://schemas.microsoft.com/office/powerpoint/2010/main" val="2310899978"/>
               </p:ext>
             </p:extLst>
           </p:nvPr>
@@ -37748,7 +37736,7 @@
                       <a:headEnd type="none" w="med" len="med"/>
                       <a:tailEnd type="none" w="med" len="med"/>
                     </a:lnT>
-                    <a:lnB w="12700" cap="flat">
+                    <a:lnB w="12700" cap="flat" cmpd="sng" algn="ctr">
                       <a:solidFill>
                         <a:schemeClr val="dk1"/>
                       </a:solidFill>
@@ -37826,7 +37814,7 @@
                       <a:headEnd type="none" w="med" len="med"/>
                       <a:tailEnd type="none" w="med" len="med"/>
                     </a:lnT>
-                    <a:lnB w="12700" cap="flat">
+                    <a:lnB w="12700" cap="flat" cmpd="sng" algn="ctr">
                       <a:solidFill>
                         <a:schemeClr val="dk1"/>
                       </a:solidFill>
@@ -37904,7 +37892,7 @@
                       <a:headEnd type="none" w="med" len="med"/>
                       <a:tailEnd type="none" w="med" len="med"/>
                     </a:lnT>
-                    <a:lnB w="12700" cap="flat">
+                    <a:lnB w="12700" cap="flat" cmpd="sng" algn="ctr">
                       <a:solidFill>
                         <a:schemeClr val="dk1"/>
                       </a:solidFill>
@@ -37967,6 +37955,692 @@
                       <a:tailEnd type="none" w="med" len="med"/>
                     </a:lnL>
                     <a:lnR w="12700" cap="flat">
+                      <a:solidFill>
+                        <a:schemeClr val="dk1"/>
+                      </a:solidFill>
+                      <a:prstDash val="solid"/>
+                      <a:round/>
+                      <a:headEnd type="none" w="med" len="med"/>
+                      <a:tailEnd type="none" w="med" len="med"/>
+                    </a:lnR>
+                    <a:lnT w="12700" cap="flat">
+                      <a:solidFill>
+                        <a:schemeClr val="dk1"/>
+                      </a:solidFill>
+                      <a:prstDash val="solid"/>
+                      <a:round/>
+                      <a:headEnd type="none" w="med" len="med"/>
+                      <a:tailEnd type="none" w="med" len="med"/>
+                    </a:lnT>
+                    <a:lnB w="12700" cap="flat">
+                      <a:solidFill>
+                        <a:schemeClr val="dk1"/>
+                      </a:solidFill>
+                      <a:prstDash val="solid"/>
+                      <a:round/>
+                      <a:headEnd type="none" w="med" len="med"/>
+                      <a:tailEnd type="none" w="med" len="med"/>
+                    </a:lnB>
+                  </a:tcPr>
+                </a:tc>
+                <a:tc>
+                  <a:txBody>
+                    <a:bodyPr/>
+                    <a:lstStyle/>
+                    <a:p>
+                      <a:pPr marL="0" marR="0" lvl="0" indent="0" algn="l" defTabSz="457200" rtl="0" eaLnBrk="1" latinLnBrk="0" hangingPunct="1">
+                        <a:lnSpc>
+                          <a:spcPct val="100000"/>
+                        </a:lnSpc>
+                        <a:spcAft>
+                          <a:spcPts val="0"/>
+                        </a:spcAft>
+                        <a:buClr>
+                          <a:srgbClr val="000066"/>
+                        </a:buClr>
+                        <a:buSzPct val="25000"/>
+                        <a:buFont typeface="Arial"/>
+                        <a:buNone/>
+                      </a:pPr>
+                      <a:r>
+                        <a:rPr lang="es-PE" sz="1200" b="0" i="0" u="none" strike="noStrike" kern="1200" cap="none" baseline="0" dirty="0" smtClean="0">
+                          <a:solidFill>
+                            <a:srgbClr val="000066"/>
+                          </a:solidFill>
+                          <a:latin typeface="Arial"/>
+                          <a:ea typeface="Arial"/>
+                          <a:cs typeface="Arial"/>
+                        </a:rPr>
+                        <a:t>0.1</a:t>
+                      </a:r>
+                      <a:endParaRPr lang="es-PE" sz="1200" b="0" i="0" u="none" strike="noStrike" kern="1200" cap="none" baseline="0" dirty="0">
+                        <a:solidFill>
+                          <a:srgbClr val="000066"/>
+                        </a:solidFill>
+                        <a:latin typeface="Arial"/>
+                        <a:ea typeface="Arial"/>
+                        <a:cs typeface="Arial"/>
+                      </a:endParaRPr>
+                    </a:p>
+                  </a:txBody>
+                  <a:tcPr marL="91450" marR="91450" marT="45725" marB="45725">
+                    <a:lnL w="12700" cap="flat">
+                      <a:solidFill>
+                        <a:schemeClr val="dk1"/>
+                      </a:solidFill>
+                      <a:prstDash val="solid"/>
+                      <a:round/>
+                      <a:headEnd type="none" w="med" len="med"/>
+                      <a:tailEnd type="none" w="med" len="med"/>
+                    </a:lnL>
+                    <a:lnR w="12700" cap="flat">
+                      <a:solidFill>
+                        <a:schemeClr val="dk1"/>
+                      </a:solidFill>
+                      <a:prstDash val="solid"/>
+                      <a:round/>
+                      <a:headEnd type="none" w="med" len="med"/>
+                      <a:tailEnd type="none" w="med" len="med"/>
+                    </a:lnR>
+                    <a:lnT w="12700" cap="flat">
+                      <a:solidFill>
+                        <a:schemeClr val="dk1"/>
+                      </a:solidFill>
+                      <a:prstDash val="solid"/>
+                      <a:round/>
+                      <a:headEnd type="none" w="med" len="med"/>
+                      <a:tailEnd type="none" w="med" len="med"/>
+                    </a:lnT>
+                    <a:lnB w="12700" cap="flat" cmpd="sng" algn="ctr">
+                      <a:solidFill>
+                        <a:schemeClr val="dk1"/>
+                      </a:solidFill>
+                      <a:prstDash val="solid"/>
+                      <a:round/>
+                      <a:headEnd type="none" w="med" len="med"/>
+                      <a:tailEnd type="none" w="med" len="med"/>
+                    </a:lnB>
+                  </a:tcPr>
+                </a:tc>
+                <a:tc>
+                  <a:txBody>
+                    <a:bodyPr/>
+                    <a:lstStyle/>
+                    <a:p>
+                      <a:pPr marL="0" marR="0" lvl="0" indent="0" algn="l" defTabSz="457200" rtl="0" eaLnBrk="1" latinLnBrk="0" hangingPunct="1">
+                        <a:lnSpc>
+                          <a:spcPct val="100000"/>
+                        </a:lnSpc>
+                        <a:spcAft>
+                          <a:spcPts val="0"/>
+                        </a:spcAft>
+                        <a:buClr>
+                          <a:srgbClr val="000066"/>
+                        </a:buClr>
+                        <a:buSzPct val="25000"/>
+                        <a:buFont typeface="Arial"/>
+                        <a:buNone/>
+                      </a:pPr>
+                      <a:r>
+                        <a:rPr lang="es-PE" sz="1200" b="0" i="0" u="none" strike="noStrike" kern="1200" cap="none" baseline="0" dirty="0" smtClean="0">
+                          <a:solidFill>
+                            <a:srgbClr val="000066"/>
+                          </a:solidFill>
+                          <a:latin typeface="Arial"/>
+                          <a:ea typeface="Arial"/>
+                          <a:cs typeface="Arial"/>
+                        </a:rPr>
+                        <a:t>19/06/15</a:t>
+                      </a:r>
+                    </a:p>
+                    <a:p>
+                      <a:pPr marL="0" marR="0" lvl="0" indent="0" algn="l" defTabSz="457200" rtl="0" eaLnBrk="1" latinLnBrk="0" hangingPunct="1">
+                        <a:lnSpc>
+                          <a:spcPct val="100000"/>
+                        </a:lnSpc>
+                        <a:spcAft>
+                          <a:spcPts val="0"/>
+                        </a:spcAft>
+                        <a:buClr>
+                          <a:srgbClr val="000066"/>
+                        </a:buClr>
+                        <a:buSzPct val="25000"/>
+                        <a:buFont typeface="Arial"/>
+                        <a:buNone/>
+                      </a:pPr>
+                      <a:endParaRPr lang="es-PE" sz="1200" b="0" i="0" u="none" strike="noStrike" kern="1200" cap="none" baseline="0" dirty="0">
+                        <a:solidFill>
+                          <a:srgbClr val="000066"/>
+                        </a:solidFill>
+                        <a:latin typeface="Arial"/>
+                        <a:ea typeface="Arial"/>
+                        <a:cs typeface="Arial"/>
+                      </a:endParaRPr>
+                    </a:p>
+                  </a:txBody>
+                  <a:tcPr marL="91450" marR="91450" marT="45725" marB="45725">
+                    <a:lnL w="12700" cap="flat">
+                      <a:solidFill>
+                        <a:schemeClr val="dk1"/>
+                      </a:solidFill>
+                      <a:prstDash val="solid"/>
+                      <a:round/>
+                      <a:headEnd type="none" w="med" len="med"/>
+                      <a:tailEnd type="none" w="med" len="med"/>
+                    </a:lnL>
+                    <a:lnR w="12700" cap="flat">
+                      <a:solidFill>
+                        <a:schemeClr val="dk1"/>
+                      </a:solidFill>
+                      <a:prstDash val="solid"/>
+                      <a:round/>
+                      <a:headEnd type="none" w="med" len="med"/>
+                      <a:tailEnd type="none" w="med" len="med"/>
+                    </a:lnR>
+                    <a:lnT w="12700" cap="flat">
+                      <a:solidFill>
+                        <a:schemeClr val="dk1"/>
+                      </a:solidFill>
+                      <a:prstDash val="solid"/>
+                      <a:round/>
+                      <a:headEnd type="none" w="med" len="med"/>
+                      <a:tailEnd type="none" w="med" len="med"/>
+                    </a:lnT>
+                    <a:lnB w="12700" cap="flat" cmpd="sng" algn="ctr">
+                      <a:solidFill>
+                        <a:schemeClr val="dk1"/>
+                      </a:solidFill>
+                      <a:prstDash val="solid"/>
+                      <a:round/>
+                      <a:headEnd type="none" w="med" len="med"/>
+                      <a:tailEnd type="none" w="med" len="med"/>
+                    </a:lnB>
+                  </a:tcPr>
+                </a:tc>
+                <a:tc>
+                  <a:txBody>
+                    <a:bodyPr/>
+                    <a:lstStyle/>
+                    <a:p>
+                      <a:pPr marL="0" marR="0" lvl="0" indent="0" algn="l" defTabSz="457200" rtl="0" eaLnBrk="1" latinLnBrk="0" hangingPunct="1">
+                        <a:lnSpc>
+                          <a:spcPct val="100000"/>
+                        </a:lnSpc>
+                        <a:spcAft>
+                          <a:spcPts val="0"/>
+                        </a:spcAft>
+                        <a:buClr>
+                          <a:srgbClr val="000066"/>
+                        </a:buClr>
+                        <a:buSzPct val="25000"/>
+                        <a:buFont typeface="Arial"/>
+                        <a:buNone/>
+                      </a:pPr>
+                      <a:r>
+                        <a:rPr lang="es-PE" sz="1200" b="0" i="0" u="none" strike="noStrike" kern="1200" cap="none" baseline="0" dirty="0" err="1" smtClean="0">
+                          <a:solidFill>
+                            <a:srgbClr val="000066"/>
+                          </a:solidFill>
+                          <a:latin typeface="Arial"/>
+                          <a:ea typeface="Arial"/>
+                          <a:cs typeface="Arial"/>
+                        </a:rPr>
+                        <a:t>Hever</a:t>
+                      </a:r>
+                      <a:r>
+                        <a:rPr lang="es-PE" sz="1200" b="0" i="0" u="none" strike="noStrike" kern="1200" cap="none" baseline="0" dirty="0" smtClean="0">
+                          <a:solidFill>
+                            <a:srgbClr val="000066"/>
+                          </a:solidFill>
+                          <a:latin typeface="Arial"/>
+                          <a:ea typeface="Arial"/>
+                          <a:cs typeface="Arial"/>
+                        </a:rPr>
+                        <a:t> </a:t>
+                      </a:r>
+                      <a:r>
+                        <a:rPr lang="es-PE" sz="1200" b="0" i="0" u="none" strike="noStrike" kern="1200" cap="none" baseline="0" dirty="0" err="1" smtClean="0">
+                          <a:solidFill>
+                            <a:srgbClr val="000066"/>
+                          </a:solidFill>
+                          <a:latin typeface="Arial"/>
+                          <a:ea typeface="Arial"/>
+                          <a:cs typeface="Arial"/>
+                        </a:rPr>
+                        <a:t>Vasquez</a:t>
+                      </a:r>
+                      <a:endParaRPr lang="es-PE" sz="1200" b="0" i="0" u="none" strike="noStrike" kern="1200" cap="none" baseline="0" dirty="0">
+                        <a:solidFill>
+                          <a:srgbClr val="000066"/>
+                        </a:solidFill>
+                        <a:latin typeface="Arial"/>
+                        <a:ea typeface="Arial"/>
+                        <a:cs typeface="Arial"/>
+                      </a:endParaRPr>
+                    </a:p>
+                  </a:txBody>
+                  <a:tcPr marL="91450" marR="91450" marT="45725" marB="45725">
+                    <a:lnL w="12700" cap="flat">
+                      <a:solidFill>
+                        <a:schemeClr val="dk1"/>
+                      </a:solidFill>
+                      <a:prstDash val="solid"/>
+                      <a:round/>
+                      <a:headEnd type="none" w="med" len="med"/>
+                      <a:tailEnd type="none" w="med" len="med"/>
+                    </a:lnL>
+                    <a:lnR w="12700" cap="flat" cmpd="sng" algn="ctr">
+                      <a:solidFill>
+                        <a:schemeClr val="dk1"/>
+                      </a:solidFill>
+                      <a:prstDash val="solid"/>
+                      <a:round/>
+                      <a:headEnd type="none" w="med" len="med"/>
+                      <a:tailEnd type="none" w="med" len="med"/>
+                    </a:lnR>
+                    <a:lnT w="12700" cap="flat">
+                      <a:solidFill>
+                        <a:schemeClr val="dk1"/>
+                      </a:solidFill>
+                      <a:prstDash val="solid"/>
+                      <a:round/>
+                      <a:headEnd type="none" w="med" len="med"/>
+                      <a:tailEnd type="none" w="med" len="med"/>
+                    </a:lnT>
+                    <a:lnB w="12700" cap="flat" cmpd="sng" algn="ctr">
+                      <a:solidFill>
+                        <a:schemeClr val="dk1"/>
+                      </a:solidFill>
+                      <a:prstDash val="solid"/>
+                      <a:round/>
+                      <a:headEnd type="none" w="med" len="med"/>
+                      <a:tailEnd type="none" w="med" len="med"/>
+                    </a:lnB>
+                  </a:tcPr>
+                </a:tc>
+                <a:tc>
+                  <a:txBody>
+                    <a:bodyPr/>
+                    <a:lstStyle/>
+                    <a:p>
+                      <a:pPr marL="0" marR="0" lvl="0" indent="0" algn="l" defTabSz="457200" rtl="0" eaLnBrk="1" latinLnBrk="0" hangingPunct="1">
+                        <a:lnSpc>
+                          <a:spcPct val="100000"/>
+                        </a:lnSpc>
+                        <a:spcBef>
+                          <a:spcPts val="0"/>
+                        </a:spcBef>
+                        <a:spcAft>
+                          <a:spcPts val="0"/>
+                        </a:spcAft>
+                        <a:buClr>
+                          <a:srgbClr val="000066"/>
+                        </a:buClr>
+                        <a:buSzPct val="25000"/>
+                        <a:buFont typeface="Arial"/>
+                        <a:buNone/>
+                      </a:pPr>
+                      <a:r>
+                        <a:rPr lang="en-US" sz="1200" b="0" i="0" u="none" strike="noStrike" kern="1200" cap="none" baseline="0" dirty="0">
+                          <a:solidFill>
+                            <a:srgbClr val="000066"/>
+                          </a:solidFill>
+                          <a:latin typeface="Arial"/>
+                          <a:ea typeface="Arial"/>
+                          <a:cs typeface="Arial"/>
+                          <a:sym typeface="Arial"/>
+                        </a:rPr>
+                        <a:t>Sistema </a:t>
+                      </a:r>
+                      <a:r>
+                        <a:rPr lang="en-US" sz="1200" b="0" i="0" u="none" strike="noStrike" kern="1200" cap="none" baseline="0" dirty="0" smtClean="0">
+                          <a:solidFill>
+                            <a:srgbClr val="000066"/>
+                          </a:solidFill>
+                          <a:latin typeface="Arial"/>
+                          <a:ea typeface="Arial"/>
+                          <a:cs typeface="Arial"/>
+                          <a:sym typeface="Arial"/>
+                        </a:rPr>
+                        <a:t>de </a:t>
+                      </a:r>
+                      <a:r>
+                        <a:rPr lang="en-US" sz="1200" b="0" i="0" u="none" strike="noStrike" kern="1200" cap="none" baseline="0" dirty="0" err="1" smtClean="0">
+                          <a:solidFill>
+                            <a:srgbClr val="000066"/>
+                          </a:solidFill>
+                          <a:latin typeface="Arial"/>
+                          <a:ea typeface="Arial"/>
+                          <a:cs typeface="Arial"/>
+                          <a:sym typeface="Arial"/>
+                        </a:rPr>
+                        <a:t>Monitoreo</a:t>
+                      </a:r>
+                      <a:r>
+                        <a:rPr lang="en-US" sz="1200" b="0" i="0" u="none" strike="noStrike" kern="1200" cap="none" baseline="0" dirty="0" smtClean="0">
+                          <a:solidFill>
+                            <a:srgbClr val="000066"/>
+                          </a:solidFill>
+                          <a:latin typeface="Arial"/>
+                          <a:ea typeface="Arial"/>
+                          <a:cs typeface="Arial"/>
+                          <a:sym typeface="Arial"/>
+                        </a:rPr>
+                        <a:t> GPS</a:t>
+                      </a:r>
+                      <a:endParaRPr lang="en-US" sz="1200" b="0" i="0" u="none" strike="noStrike" kern="1200" cap="none" baseline="0" dirty="0">
+                        <a:solidFill>
+                          <a:srgbClr val="000066"/>
+                        </a:solidFill>
+                        <a:latin typeface="Arial"/>
+                        <a:ea typeface="Arial"/>
+                        <a:cs typeface="Arial"/>
+                        <a:sym typeface="Arial"/>
+                      </a:endParaRPr>
+                    </a:p>
+                  </a:txBody>
+                  <a:tcPr marL="91450" marR="91450" marT="45725" marB="45725">
+                    <a:lnL w="12700" cap="flat">
+                      <a:solidFill>
+                        <a:schemeClr val="dk1"/>
+                      </a:solidFill>
+                      <a:prstDash val="solid"/>
+                      <a:round/>
+                      <a:headEnd type="none" w="med" len="med"/>
+                      <a:tailEnd type="none" w="med" len="med"/>
+                    </a:lnL>
+                    <a:lnR w="12700" cap="flat">
+                      <a:solidFill>
+                        <a:schemeClr val="dk1"/>
+                      </a:solidFill>
+                      <a:prstDash val="solid"/>
+                      <a:round/>
+                      <a:headEnd type="none" w="med" len="med"/>
+                      <a:tailEnd type="none" w="med" len="med"/>
+                    </a:lnR>
+                    <a:lnT w="12700" cap="flat">
+                      <a:solidFill>
+                        <a:schemeClr val="dk1"/>
+                      </a:solidFill>
+                      <a:prstDash val="solid"/>
+                      <a:round/>
+                      <a:headEnd type="none" w="med" len="med"/>
+                      <a:tailEnd type="none" w="med" len="med"/>
+                    </a:lnT>
+                    <a:lnB w="12700" cap="flat" cmpd="sng" algn="ctr">
+                      <a:solidFill>
+                        <a:schemeClr val="dk1"/>
+                      </a:solidFill>
+                      <a:prstDash val="solid"/>
+                      <a:round/>
+                      <a:headEnd type="none" w="med" len="med"/>
+                      <a:tailEnd type="none" w="med" len="med"/>
+                    </a:lnB>
+                  </a:tcPr>
+                </a:tc>
+                <a:tc>
+                  <a:txBody>
+                    <a:bodyPr/>
+                    <a:lstStyle/>
+                    <a:p>
+                      <a:pPr marL="0" marR="0" lvl="0" indent="0" algn="l" defTabSz="457200" rtl="0" eaLnBrk="1" latinLnBrk="0" hangingPunct="1">
+                        <a:lnSpc>
+                          <a:spcPct val="100000"/>
+                        </a:lnSpc>
+                        <a:spcBef>
+                          <a:spcPts val="0"/>
+                        </a:spcBef>
+                        <a:spcAft>
+                          <a:spcPts val="0"/>
+                        </a:spcAft>
+                        <a:buClr>
+                          <a:srgbClr val="000066"/>
+                        </a:buClr>
+                        <a:buSzPct val="25000"/>
+                        <a:buFont typeface="Arial"/>
+                        <a:buNone/>
+                      </a:pPr>
+                      <a:r>
+                        <a:rPr lang="en-US" sz="1200" b="0" i="0" u="none" strike="noStrike" kern="1200" cap="none" baseline="0" dirty="0" err="1" smtClean="0">
+                          <a:solidFill>
+                            <a:srgbClr val="000066"/>
+                          </a:solidFill>
+                          <a:latin typeface="Arial"/>
+                          <a:ea typeface="Arial"/>
+                          <a:cs typeface="Arial"/>
+                          <a:sym typeface="Arial"/>
+                        </a:rPr>
+                        <a:t>Revisado</a:t>
+                      </a:r>
+                      <a:endParaRPr lang="en-US" sz="1200" b="0" i="0" u="none" strike="noStrike" kern="1200" cap="none" baseline="0" dirty="0">
+                        <a:solidFill>
+                          <a:srgbClr val="000066"/>
+                        </a:solidFill>
+                        <a:latin typeface="Arial"/>
+                        <a:ea typeface="Arial"/>
+                        <a:cs typeface="Arial"/>
+                        <a:sym typeface="Arial"/>
+                      </a:endParaRPr>
+                    </a:p>
+                  </a:txBody>
+                  <a:tcPr marL="91450" marR="91450" marT="45725" marB="45725">
+                    <a:lnL w="12700" cap="flat">
+                      <a:solidFill>
+                        <a:schemeClr val="dk1"/>
+                      </a:solidFill>
+                      <a:prstDash val="solid"/>
+                      <a:round/>
+                      <a:headEnd type="none" w="med" len="med"/>
+                      <a:tailEnd type="none" w="med" len="med"/>
+                    </a:lnL>
+                    <a:lnR w="12700" cap="flat">
+                      <a:solidFill>
+                        <a:schemeClr val="dk1"/>
+                      </a:solidFill>
+                      <a:prstDash val="solid"/>
+                      <a:round/>
+                      <a:headEnd type="none" w="med" len="med"/>
+                      <a:tailEnd type="none" w="med" len="med"/>
+                    </a:lnR>
+                    <a:lnT w="12700" cap="flat">
+                      <a:solidFill>
+                        <a:schemeClr val="dk1"/>
+                      </a:solidFill>
+                      <a:prstDash val="solid"/>
+                      <a:round/>
+                      <a:headEnd type="none" w="med" len="med"/>
+                      <a:tailEnd type="none" w="med" len="med"/>
+                    </a:lnT>
+                    <a:lnB w="12700" cap="flat" cmpd="sng" algn="ctr">
+                      <a:solidFill>
+                        <a:schemeClr val="dk1"/>
+                      </a:solidFill>
+                      <a:prstDash val="solid"/>
+                      <a:round/>
+                      <a:headEnd type="none" w="med" len="med"/>
+                      <a:tailEnd type="none" w="med" len="med"/>
+                    </a:lnB>
+                  </a:tcPr>
+                </a:tc>
+                <a:tc>
+                  <a:txBody>
+                    <a:bodyPr/>
+                    <a:lstStyle/>
+                    <a:p>
+                      <a:pPr marL="0" marR="0" lvl="0" indent="0" algn="l" defTabSz="457200" rtl="0" eaLnBrk="1" latinLnBrk="0" hangingPunct="1">
+                        <a:lnSpc>
+                          <a:spcPct val="100000"/>
+                        </a:lnSpc>
+                        <a:spcBef>
+                          <a:spcPts val="0"/>
+                        </a:spcBef>
+                        <a:spcAft>
+                          <a:spcPts val="0"/>
+                        </a:spcAft>
+                        <a:buClr>
+                          <a:srgbClr val="000066"/>
+                        </a:buClr>
+                        <a:buSzPct val="25000"/>
+                        <a:buFont typeface="Arial"/>
+                        <a:buNone/>
+                      </a:pPr>
+                      <a:r>
+                        <a:rPr lang="en-US" sz="1200" b="0" i="0" u="none" strike="noStrike" kern="1200" cap="none" baseline="0" dirty="0">
+                          <a:solidFill>
+                            <a:srgbClr val="000066"/>
+                          </a:solidFill>
+                          <a:latin typeface="Arial"/>
+                          <a:ea typeface="Arial"/>
+                          <a:cs typeface="Arial"/>
+                          <a:sym typeface="Arial"/>
+                        </a:rPr>
+                        <a:t>Manuel Saenz</a:t>
+                      </a:r>
+                    </a:p>
+                    <a:p>
+                      <a:pPr marL="0" marR="0" lvl="0" indent="0" algn="l" defTabSz="457200" rtl="0" eaLnBrk="1" latinLnBrk="0" hangingPunct="1">
+                        <a:lnSpc>
+                          <a:spcPct val="100000"/>
+                        </a:lnSpc>
+                        <a:spcBef>
+                          <a:spcPts val="240"/>
+                        </a:spcBef>
+                        <a:spcAft>
+                          <a:spcPts val="0"/>
+                        </a:spcAft>
+                        <a:buClr>
+                          <a:srgbClr val="000066"/>
+                        </a:buClr>
+                        <a:buSzPct val="25000"/>
+                        <a:buFont typeface="Arial"/>
+                        <a:buNone/>
+                      </a:pPr>
+                      <a:r>
+                        <a:rPr lang="en-US" sz="1200" b="0" i="0" u="none" strike="noStrike" kern="1200" cap="none" baseline="0" dirty="0">
+                          <a:solidFill>
+                            <a:srgbClr val="000066"/>
+                          </a:solidFill>
+                          <a:latin typeface="Arial"/>
+                          <a:ea typeface="Arial"/>
+                          <a:cs typeface="Arial"/>
+                          <a:sym typeface="Arial"/>
+                        </a:rPr>
+                        <a:t>(</a:t>
+                      </a:r>
+                      <a:r>
+                        <a:rPr lang="en-US" sz="1200" b="0" i="0" u="none" strike="noStrike" kern="1200" cap="none" baseline="0" dirty="0" err="1">
+                          <a:solidFill>
+                            <a:srgbClr val="000066"/>
+                          </a:solidFill>
+                          <a:latin typeface="Arial"/>
+                          <a:ea typeface="Arial"/>
+                          <a:cs typeface="Arial"/>
+                          <a:sym typeface="Arial"/>
+                        </a:rPr>
+                        <a:t>cliente</a:t>
+                      </a:r>
+                      <a:r>
+                        <a:rPr lang="en-US" sz="1200" b="0" i="0" u="none" strike="noStrike" kern="1200" cap="none" baseline="0" dirty="0">
+                          <a:solidFill>
+                            <a:srgbClr val="000066"/>
+                          </a:solidFill>
+                          <a:latin typeface="Arial"/>
+                          <a:ea typeface="Arial"/>
+                          <a:cs typeface="Arial"/>
+                          <a:sym typeface="Arial"/>
+                        </a:rPr>
+                        <a:t>)</a:t>
+                      </a:r>
+                    </a:p>
+                  </a:txBody>
+                  <a:tcPr marL="91450" marR="91450" marT="45725" marB="45725">
+                    <a:lnL w="12700" cap="flat">
+                      <a:solidFill>
+                        <a:schemeClr val="dk1"/>
+                      </a:solidFill>
+                      <a:prstDash val="solid"/>
+                      <a:round/>
+                      <a:headEnd type="none" w="med" len="med"/>
+                      <a:tailEnd type="none" w="med" len="med"/>
+                    </a:lnL>
+                    <a:lnR w="28575" cap="flat">
+                      <a:solidFill>
+                        <a:schemeClr val="dk1"/>
+                      </a:solidFill>
+                      <a:prstDash val="solid"/>
+                      <a:round/>
+                      <a:headEnd type="none" w="med" len="med"/>
+                      <a:tailEnd type="none" w="med" len="med"/>
+                    </a:lnR>
+                    <a:lnT w="12700" cap="flat">
+                      <a:solidFill>
+                        <a:schemeClr val="dk1"/>
+                      </a:solidFill>
+                      <a:prstDash val="solid"/>
+                      <a:round/>
+                      <a:headEnd type="none" w="med" len="med"/>
+                      <a:tailEnd type="none" w="med" len="med"/>
+                    </a:lnT>
+                    <a:lnB w="12700" cap="flat" cmpd="sng" algn="ctr">
+                      <a:solidFill>
+                        <a:schemeClr val="dk1"/>
+                      </a:solidFill>
+                      <a:prstDash val="solid"/>
+                      <a:round/>
+                      <a:headEnd type="none" w="med" len="med"/>
+                      <a:tailEnd type="none" w="med" len="med"/>
+                    </a:lnB>
+                  </a:tcPr>
+                </a:tc>
+              </a:tr>
+              <a:tr h="873125">
+                <a:tc>
+                  <a:txBody>
+                    <a:bodyPr/>
+                    <a:lstStyle/>
+                    <a:p>
+                      <a:pPr marL="0" marR="0" lvl="0" indent="0" algn="ctr" rtl="0">
+                        <a:lnSpc>
+                          <a:spcPct val="100000"/>
+                        </a:lnSpc>
+                        <a:spcBef>
+                          <a:spcPts val="0"/>
+                        </a:spcBef>
+                        <a:spcAft>
+                          <a:spcPts val="0"/>
+                        </a:spcAft>
+                        <a:buClr>
+                          <a:srgbClr val="000066"/>
+                        </a:buClr>
+                        <a:buSzPct val="25000"/>
+                        <a:buFont typeface="Arial"/>
+                        <a:buNone/>
+                      </a:pPr>
+                      <a:r>
+                        <a:rPr lang="en-US" sz="1200" b="0" i="0" u="none" strike="noStrike" cap="none" baseline="0">
+                          <a:solidFill>
+                            <a:srgbClr val="000066"/>
+                          </a:solidFill>
+                          <a:latin typeface="Arial"/>
+                          <a:ea typeface="Arial"/>
+                          <a:cs typeface="Arial"/>
+                          <a:sym typeface="Arial"/>
+                        </a:rPr>
+                        <a:t>2</a:t>
+                      </a:r>
+                    </a:p>
+                  </a:txBody>
+                  <a:tcPr marL="91450" marR="91450" marT="45725" marB="45725">
+                    <a:lnL w="28575" cap="flat">
+                      <a:solidFill>
+                        <a:schemeClr val="dk1"/>
+                      </a:solidFill>
+                      <a:prstDash val="solid"/>
+                      <a:round/>
+                      <a:headEnd type="none" w="med" len="med"/>
+                      <a:tailEnd type="none" w="med" len="med"/>
+                    </a:lnL>
+                    <a:lnR w="12700" cap="flat" cmpd="sng" algn="ctr">
                       <a:solidFill>
                         <a:schemeClr val="dk1"/>
                       </a:solidFill>
@@ -38195,7 +38869,19 @@
                           <a:cs typeface="Arial"/>
                           <a:sym typeface="Arial"/>
                         </a:rPr>
-                        <a:t>Alejandro Laban</a:t>
+                        <a:t>Alejandro </a:t>
+                      </a:r>
+                      <a:r>
+                        <a:rPr lang="en-US" sz="1200" b="0" i="0" u="none" strike="noStrike" cap="none" baseline="0" dirty="0" smtClean="0">
+                          <a:solidFill>
+                            <a:srgbClr val="000066"/>
+                          </a:solidFill>
+                          <a:latin typeface="Arial"/>
+                          <a:ea typeface="Arial"/>
+                          <a:cs typeface="Arial"/>
+                          <a:sym typeface="Arial"/>
+                        </a:rPr>
+                        <a:t>Laban</a:t>
                       </a:r>
                       <a:endParaRPr lang="en-US" sz="1200" b="0" i="0" u="none" strike="noStrike" cap="none" baseline="0" dirty="0">
                         <a:solidFill>
@@ -38206,85 +38892,6 @@
                         <a:cs typeface="Arial"/>
                         <a:sym typeface="Arial"/>
                       </a:endParaRPr>
-                    </a:p>
-                    <a:p>
-                      <a:pPr marL="0" marR="0" lvl="0" indent="0" algn="ctr" rtl="0">
-                        <a:lnSpc>
-                          <a:spcPct val="100000"/>
-                        </a:lnSpc>
-                        <a:spcBef>
-                          <a:spcPts val="240"/>
-                        </a:spcBef>
-                        <a:spcAft>
-                          <a:spcPts val="0"/>
-                        </a:spcAft>
-                        <a:buClr>
-                          <a:srgbClr val="000066"/>
-                        </a:buClr>
-                        <a:buSzPct val="25000"/>
-                        <a:buFont typeface="Arial"/>
-                        <a:buNone/>
-                      </a:pPr>
-                      <a:r>
-                        <a:rPr lang="en-US" sz="1200" b="0" i="0" u="none" strike="noStrike" cap="none" baseline="0" dirty="0">
-                          <a:solidFill>
-                            <a:srgbClr val="000066"/>
-                          </a:solidFill>
-                          <a:latin typeface="Arial"/>
-                          <a:ea typeface="Arial"/>
-                          <a:cs typeface="Arial"/>
-                          <a:sym typeface="Arial"/>
-                        </a:rPr>
-                        <a:t>(</a:t>
-                      </a:r>
-                      <a:r>
-                        <a:rPr lang="en-US" sz="1200" b="0" i="0" u="none" strike="noStrike" cap="none" baseline="0" dirty="0" err="1">
-                          <a:solidFill>
-                            <a:srgbClr val="000066"/>
-                          </a:solidFill>
-                          <a:latin typeface="Arial"/>
-                          <a:ea typeface="Arial"/>
-                          <a:cs typeface="Arial"/>
-                          <a:sym typeface="Arial"/>
-                        </a:rPr>
-                        <a:t>Jefe</a:t>
-                      </a:r>
-                      <a:r>
-                        <a:rPr lang="en-US" sz="1200" b="0" i="0" u="none" strike="noStrike" cap="none" baseline="0" dirty="0">
-                          <a:solidFill>
-                            <a:srgbClr val="000066"/>
-                          </a:solidFill>
-                          <a:latin typeface="Arial"/>
-                          <a:ea typeface="Arial"/>
-                          <a:cs typeface="Arial"/>
-                          <a:sym typeface="Arial"/>
-                        </a:rPr>
-                        <a:t> de </a:t>
-                      </a:r>
-                      <a:r>
-                        <a:rPr lang="en-US" sz="1200" b="0" i="0" u="none" strike="noStrike" cap="none" baseline="0" dirty="0" err="1">
-                          <a:solidFill>
-                            <a:srgbClr val="000066"/>
-                          </a:solidFill>
-                          <a:latin typeface="Arial"/>
-                          <a:ea typeface="Arial"/>
-                          <a:cs typeface="Arial"/>
-                          <a:sym typeface="Arial"/>
-                        </a:rPr>
-                        <a:t>Proyecto</a:t>
-                      </a:r>
-                      <a:r>
-                        <a:rPr lang="en-US" sz="1200" b="0" i="0" u="none" strike="noStrike" cap="none" baseline="0" dirty="0">
-                          <a:solidFill>
-                            <a:srgbClr val="000066"/>
-                          </a:solidFill>
-                          <a:latin typeface="Arial"/>
-                          <a:ea typeface="Arial"/>
-                          <a:cs typeface="Arial"/>
-                          <a:sym typeface="Arial"/>
-                        </a:rPr>
-                        <a:t>)</a:t>
-                      </a:r>
                     </a:p>
                   </a:txBody>
                   <a:tcPr marL="91450" marR="91450" marT="45725" marB="45725">
@@ -38426,7 +39033,7 @@
                       <a:headEnd type="none" w="med" len="med"/>
                       <a:tailEnd type="none" w="med" len="med"/>
                     </a:lnR>
-                    <a:lnT w="12700" cap="flat">
+                    <a:lnT w="12700" cap="flat" cmpd="sng" algn="ctr">
                       <a:solidFill>
                         <a:schemeClr val="dk1"/>
                       </a:solidFill>
@@ -38522,7 +39129,7 @@
                       <a:headEnd type="none" w="med" len="med"/>
                       <a:tailEnd type="none" w="med" len="med"/>
                     </a:lnR>
-                    <a:lnT w="12700" cap="flat">
+                    <a:lnT w="12700" cap="flat" cmpd="sng" algn="ctr">
                       <a:solidFill>
                         <a:schemeClr val="dk1"/>
                       </a:solidFill>
@@ -38565,7 +39172,7 @@
                         <a:buNone/>
                       </a:pPr>
                       <a:r>
-                        <a:rPr lang="en-US" sz="1200" b="0" i="0" u="none" strike="noStrike" cap="none" baseline="0">
+                        <a:rPr lang="en-US" sz="1200" b="0" i="0" u="none" strike="noStrike" cap="none" baseline="0" dirty="0">
                           <a:solidFill>
                             <a:srgbClr val="000066"/>
                           </a:solidFill>
@@ -38596,7 +39203,7 @@
                         <a:buNone/>
                       </a:pPr>
                       <a:r>
-                        <a:rPr lang="en-US" sz="1200" b="0" i="0" u="none" strike="noStrike" cap="none" baseline="0">
+                        <a:rPr lang="en-US" sz="1200" b="0" i="0" u="none" strike="noStrike" cap="none" baseline="0" dirty="0">
                           <a:solidFill>
                             <a:srgbClr val="000066"/>
                           </a:solidFill>
@@ -38605,75 +39212,10 @@
                           <a:cs typeface="Arial"/>
                           <a:sym typeface="Arial"/>
                         </a:rPr>
-                        <a:t>(cliente)</a:t>
+                        <a:t>(</a:t>
                       </a:r>
-                    </a:p>
-                  </a:txBody>
-                  <a:tcPr marL="91450" marR="91450" marT="45725" marB="45725">
-                    <a:lnL w="12700" cap="flat">
-                      <a:solidFill>
-                        <a:schemeClr val="dk1"/>
-                      </a:solidFill>
-                      <a:prstDash val="solid"/>
-                      <a:round/>
-                      <a:headEnd type="none" w="med" len="med"/>
-                      <a:tailEnd type="none" w="med" len="med"/>
-                    </a:lnL>
-                    <a:lnR w="28575" cap="flat">
-                      <a:solidFill>
-                        <a:schemeClr val="dk1"/>
-                      </a:solidFill>
-                      <a:prstDash val="solid"/>
-                      <a:round/>
-                      <a:headEnd type="none" w="med" len="med"/>
-                      <a:tailEnd type="none" w="med" len="med"/>
-                    </a:lnR>
-                    <a:lnT w="12700" cap="flat">
-                      <a:solidFill>
-                        <a:schemeClr val="dk1"/>
-                      </a:solidFill>
-                      <a:prstDash val="solid"/>
-                      <a:round/>
-                      <a:headEnd type="none" w="med" len="med"/>
-                      <a:tailEnd type="none" w="med" len="med"/>
-                    </a:lnT>
-                    <a:lnB w="12700" cap="flat">
-                      <a:solidFill>
-                        <a:schemeClr val="dk1"/>
-                      </a:solidFill>
-                      <a:prstDash val="solid"/>
-                      <a:round/>
-                      <a:headEnd type="none" w="med" len="med"/>
-                      <a:tailEnd type="none" w="med" len="med"/>
-                    </a:lnB>
-                  </a:tcPr>
-                </a:tc>
-              </a:tr>
-              <a:tr h="873125">
-                <a:tc>
-                  <a:txBody>
-                    <a:bodyPr/>
-                    <a:lstStyle/>
-                    <a:p>
-                      <a:pPr marL="0" marR="0" lvl="0" indent="0" algn="ctr" rtl="0">
-                        <a:lnSpc>
-                          <a:spcPct val="100000"/>
-                        </a:lnSpc>
-                        <a:spcBef>
-                          <a:spcPts val="0"/>
-                        </a:spcBef>
-                        <a:spcAft>
-                          <a:spcPts val="0"/>
-                        </a:spcAft>
-                        <a:buClr>
-                          <a:srgbClr val="000066"/>
-                        </a:buClr>
-                        <a:buSzPct val="25000"/>
-                        <a:buFont typeface="Arial"/>
-                        <a:buNone/>
-                      </a:pPr>
                       <a:r>
-                        <a:rPr lang="en-US" sz="1200" b="0" i="0" u="none" strike="noStrike" cap="none" baseline="0">
+                        <a:rPr lang="en-US" sz="1200" b="0" i="0" u="none" strike="noStrike" cap="none" baseline="0" dirty="0" err="1">
                           <a:solidFill>
                             <a:srgbClr val="000066"/>
                           </a:solidFill>
@@ -38682,437 +39224,23 @@
                           <a:cs typeface="Arial"/>
                           <a:sym typeface="Arial"/>
                         </a:rPr>
-                        <a:t>2</a:t>
+                        <a:t>cliente</a:t>
+                      </a:r>
+                      <a:r>
+                        <a:rPr lang="en-US" sz="1200" b="0" i="0" u="none" strike="noStrike" cap="none" baseline="0" dirty="0">
+                          <a:solidFill>
+                            <a:srgbClr val="000066"/>
+                          </a:solidFill>
+                          <a:latin typeface="Arial"/>
+                          <a:ea typeface="Arial"/>
+                          <a:cs typeface="Arial"/>
+                          <a:sym typeface="Arial"/>
+                        </a:rPr>
+                        <a:t>)</a:t>
                       </a:r>
                     </a:p>
                   </a:txBody>
                   <a:tcPr marL="91450" marR="91450" marT="45725" marB="45725">
-                    <a:lnL w="28575" cap="flat">
-                      <a:solidFill>
-                        <a:schemeClr val="dk1"/>
-                      </a:solidFill>
-                      <a:prstDash val="solid"/>
-                      <a:round/>
-                      <a:headEnd type="none" w="med" len="med"/>
-                      <a:tailEnd type="none" w="med" len="med"/>
-                    </a:lnL>
-                    <a:lnR w="12700" cap="flat">
-                      <a:solidFill>
-                        <a:schemeClr val="dk1"/>
-                      </a:solidFill>
-                      <a:prstDash val="solid"/>
-                      <a:round/>
-                      <a:headEnd type="none" w="med" len="med"/>
-                      <a:tailEnd type="none" w="med" len="med"/>
-                    </a:lnR>
-                    <a:lnT w="12700" cap="flat">
-                      <a:solidFill>
-                        <a:schemeClr val="dk1"/>
-                      </a:solidFill>
-                      <a:prstDash val="solid"/>
-                      <a:round/>
-                      <a:headEnd type="none" w="med" len="med"/>
-                      <a:tailEnd type="none" w="med" len="med"/>
-                    </a:lnT>
-                    <a:lnB w="12700" cap="flat">
-                      <a:solidFill>
-                        <a:schemeClr val="dk1"/>
-                      </a:solidFill>
-                      <a:prstDash val="solid"/>
-                      <a:round/>
-                      <a:headEnd type="none" w="med" len="med"/>
-                      <a:tailEnd type="none" w="med" len="med"/>
-                    </a:lnB>
-                  </a:tcPr>
-                </a:tc>
-                <a:tc>
-                  <a:txBody>
-                    <a:bodyPr/>
-                    <a:lstStyle/>
-                    <a:p>
-                      <a:pPr marL="0" marR="0" lvl="0" indent="0" algn="l" rtl="0">
-                        <a:lnSpc>
-                          <a:spcPct val="100000"/>
-                        </a:lnSpc>
-                        <a:spcBef>
-                          <a:spcPts val="0"/>
-                        </a:spcBef>
-                        <a:spcAft>
-                          <a:spcPts val="0"/>
-                        </a:spcAft>
-                        <a:buClr>
-                          <a:schemeClr val="dk1"/>
-                        </a:buClr>
-                        <a:buFont typeface="Arial"/>
-                        <a:buNone/>
-                      </a:pPr>
-                      <a:endParaRPr sz="1200" b="0" i="0" u="none" strike="noStrike" cap="none" baseline="0">
-                        <a:solidFill>
-                          <a:srgbClr val="000066"/>
-                        </a:solidFill>
-                        <a:latin typeface="Arial"/>
-                        <a:ea typeface="Arial"/>
-                        <a:cs typeface="Arial"/>
-                        <a:sym typeface="Arial"/>
-                      </a:endParaRPr>
-                    </a:p>
-                  </a:txBody>
-                  <a:tcPr marL="91450" marR="91450" marT="45725" marB="45725">
-                    <a:lnL w="12700" cap="flat">
-                      <a:solidFill>
-                        <a:schemeClr val="dk1"/>
-                      </a:solidFill>
-                      <a:prstDash val="solid"/>
-                      <a:round/>
-                      <a:headEnd type="none" w="med" len="med"/>
-                      <a:tailEnd type="none" w="med" len="med"/>
-                    </a:lnL>
-                    <a:lnR w="12700" cap="flat">
-                      <a:solidFill>
-                        <a:schemeClr val="dk1"/>
-                      </a:solidFill>
-                      <a:prstDash val="solid"/>
-                      <a:round/>
-                      <a:headEnd type="none" w="med" len="med"/>
-                      <a:tailEnd type="none" w="med" len="med"/>
-                    </a:lnR>
-                    <a:lnT w="12700" cap="flat">
-                      <a:solidFill>
-                        <a:schemeClr val="dk1"/>
-                      </a:solidFill>
-                      <a:prstDash val="solid"/>
-                      <a:round/>
-                      <a:headEnd type="none" w="med" len="med"/>
-                      <a:tailEnd type="none" w="med" len="med"/>
-                    </a:lnT>
-                    <a:lnB w="12700" cap="flat">
-                      <a:solidFill>
-                        <a:schemeClr val="dk1"/>
-                      </a:solidFill>
-                      <a:prstDash val="solid"/>
-                      <a:round/>
-                      <a:headEnd type="none" w="med" len="med"/>
-                      <a:tailEnd type="none" w="med" len="med"/>
-                    </a:lnB>
-                  </a:tcPr>
-                </a:tc>
-                <a:tc>
-                  <a:txBody>
-                    <a:bodyPr/>
-                    <a:lstStyle/>
-                    <a:p>
-                      <a:pPr marL="0" marR="0" lvl="0" indent="0" algn="l" rtl="0">
-                        <a:lnSpc>
-                          <a:spcPct val="100000"/>
-                        </a:lnSpc>
-                        <a:spcBef>
-                          <a:spcPts val="0"/>
-                        </a:spcBef>
-                        <a:spcAft>
-                          <a:spcPts val="0"/>
-                        </a:spcAft>
-                        <a:buClr>
-                          <a:schemeClr val="dk1"/>
-                        </a:buClr>
-                        <a:buFont typeface="Arial"/>
-                        <a:buNone/>
-                      </a:pPr>
-                      <a:endParaRPr sz="1200" b="0" i="0" u="none" strike="noStrike" cap="none" baseline="0">
-                        <a:solidFill>
-                          <a:srgbClr val="000066"/>
-                        </a:solidFill>
-                        <a:latin typeface="Arial"/>
-                        <a:ea typeface="Arial"/>
-                        <a:cs typeface="Arial"/>
-                        <a:sym typeface="Arial"/>
-                      </a:endParaRPr>
-                    </a:p>
-                  </a:txBody>
-                  <a:tcPr marL="91450" marR="91450" marT="45725" marB="45725">
-                    <a:lnL w="12700" cap="flat">
-                      <a:solidFill>
-                        <a:schemeClr val="dk1"/>
-                      </a:solidFill>
-                      <a:prstDash val="solid"/>
-                      <a:round/>
-                      <a:headEnd type="none" w="med" len="med"/>
-                      <a:tailEnd type="none" w="med" len="med"/>
-                    </a:lnL>
-                    <a:lnR w="12700" cap="flat">
-                      <a:solidFill>
-                        <a:schemeClr val="dk1"/>
-                      </a:solidFill>
-                      <a:prstDash val="solid"/>
-                      <a:round/>
-                      <a:headEnd type="none" w="med" len="med"/>
-                      <a:tailEnd type="none" w="med" len="med"/>
-                    </a:lnR>
-                    <a:lnT w="12700" cap="flat">
-                      <a:solidFill>
-                        <a:schemeClr val="dk1"/>
-                      </a:solidFill>
-                      <a:prstDash val="solid"/>
-                      <a:round/>
-                      <a:headEnd type="none" w="med" len="med"/>
-                      <a:tailEnd type="none" w="med" len="med"/>
-                    </a:lnT>
-                    <a:lnB w="12700" cap="flat">
-                      <a:solidFill>
-                        <a:schemeClr val="dk1"/>
-                      </a:solidFill>
-                      <a:prstDash val="solid"/>
-                      <a:round/>
-                      <a:headEnd type="none" w="med" len="med"/>
-                      <a:tailEnd type="none" w="med" len="med"/>
-                    </a:lnB>
-                  </a:tcPr>
-                </a:tc>
-                <a:tc>
-                  <a:txBody>
-                    <a:bodyPr/>
-                    <a:lstStyle/>
-                    <a:p>
-                      <a:pPr marL="0" marR="0" lvl="0" indent="0" algn="ctr" rtl="0">
-                        <a:lnSpc>
-                          <a:spcPct val="100000"/>
-                        </a:lnSpc>
-                        <a:spcBef>
-                          <a:spcPts val="0"/>
-                        </a:spcBef>
-                        <a:spcAft>
-                          <a:spcPts val="0"/>
-                        </a:spcAft>
-                        <a:buClr>
-                          <a:schemeClr val="dk1"/>
-                        </a:buClr>
-                        <a:buFont typeface="Arial"/>
-                        <a:buNone/>
-                      </a:pPr>
-                      <a:endParaRPr sz="1200" b="0" i="0" u="none" strike="noStrike" cap="none" baseline="0">
-                        <a:solidFill>
-                          <a:srgbClr val="000066"/>
-                        </a:solidFill>
-                        <a:latin typeface="Arial"/>
-                        <a:ea typeface="Arial"/>
-                        <a:cs typeface="Arial"/>
-                        <a:sym typeface="Arial"/>
-                      </a:endParaRPr>
-                    </a:p>
-                  </a:txBody>
-                  <a:tcPr marL="91450" marR="91450" marT="45725" marB="45725">
-                    <a:lnL w="12700" cap="flat">
-                      <a:solidFill>
-                        <a:schemeClr val="dk1"/>
-                      </a:solidFill>
-                      <a:prstDash val="solid"/>
-                      <a:round/>
-                      <a:headEnd type="none" w="med" len="med"/>
-                      <a:tailEnd type="none" w="med" len="med"/>
-                    </a:lnL>
-                    <a:lnR w="12700" cap="flat">
-                      <a:solidFill>
-                        <a:schemeClr val="dk1"/>
-                      </a:solidFill>
-                      <a:prstDash val="solid"/>
-                      <a:round/>
-                      <a:headEnd type="none" w="med" len="med"/>
-                      <a:tailEnd type="none" w="med" len="med"/>
-                    </a:lnR>
-                    <a:lnT w="12700" cap="flat">
-                      <a:solidFill>
-                        <a:schemeClr val="dk1"/>
-                      </a:solidFill>
-                      <a:prstDash val="solid"/>
-                      <a:round/>
-                      <a:headEnd type="none" w="med" len="med"/>
-                      <a:tailEnd type="none" w="med" len="med"/>
-                    </a:lnT>
-                    <a:lnB w="12700" cap="flat">
-                      <a:solidFill>
-                        <a:schemeClr val="dk1"/>
-                      </a:solidFill>
-                      <a:prstDash val="solid"/>
-                      <a:round/>
-                      <a:headEnd type="none" w="med" len="med"/>
-                      <a:tailEnd type="none" w="med" len="med"/>
-                    </a:lnB>
-                  </a:tcPr>
-                </a:tc>
-                <a:tc>
-                  <a:txBody>
-                    <a:bodyPr/>
-                    <a:lstStyle/>
-                    <a:p>
-                      <a:pPr marL="0" marR="0" lvl="0" indent="0" algn="ctr" rtl="0">
-                        <a:lnSpc>
-                          <a:spcPct val="100000"/>
-                        </a:lnSpc>
-                        <a:spcBef>
-                          <a:spcPts val="0"/>
-                        </a:spcBef>
-                        <a:spcAft>
-                          <a:spcPts val="0"/>
-                        </a:spcAft>
-                        <a:buClr>
-                          <a:schemeClr val="dk1"/>
-                        </a:buClr>
-                        <a:buFont typeface="Arial"/>
-                        <a:buNone/>
-                      </a:pPr>
-                      <a:endParaRPr sz="1200" b="0" i="0" u="none" strike="noStrike" cap="none" baseline="0">
-                        <a:solidFill>
-                          <a:srgbClr val="000066"/>
-                        </a:solidFill>
-                        <a:latin typeface="Arial"/>
-                        <a:ea typeface="Arial"/>
-                        <a:cs typeface="Arial"/>
-                        <a:sym typeface="Arial"/>
-                      </a:endParaRPr>
-                    </a:p>
-                  </a:txBody>
-                  <a:tcPr marL="91450" marR="91450" marT="45725" marB="45725">
-                    <a:lnL w="12700" cap="flat">
-                      <a:solidFill>
-                        <a:schemeClr val="dk1"/>
-                      </a:solidFill>
-                      <a:prstDash val="solid"/>
-                      <a:round/>
-                      <a:headEnd type="none" w="med" len="med"/>
-                      <a:tailEnd type="none" w="med" len="med"/>
-                    </a:lnL>
-                    <a:lnR w="12700" cap="flat">
-                      <a:solidFill>
-                        <a:schemeClr val="dk1"/>
-                      </a:solidFill>
-                      <a:prstDash val="solid"/>
-                      <a:round/>
-                      <a:headEnd type="none" w="med" len="med"/>
-                      <a:tailEnd type="none" w="med" len="med"/>
-                    </a:lnR>
-                    <a:lnT w="12700" cap="flat">
-                      <a:solidFill>
-                        <a:schemeClr val="dk1"/>
-                      </a:solidFill>
-                      <a:prstDash val="solid"/>
-                      <a:round/>
-                      <a:headEnd type="none" w="med" len="med"/>
-                      <a:tailEnd type="none" w="med" len="med"/>
-                    </a:lnT>
-                    <a:lnB w="12700" cap="flat">
-                      <a:solidFill>
-                        <a:schemeClr val="dk1"/>
-                      </a:solidFill>
-                      <a:prstDash val="solid"/>
-                      <a:round/>
-                      <a:headEnd type="none" w="med" len="med"/>
-                      <a:tailEnd type="none" w="med" len="med"/>
-                    </a:lnB>
-                  </a:tcPr>
-                </a:tc>
-                <a:tc>
-                  <a:txBody>
-                    <a:bodyPr/>
-                    <a:lstStyle/>
-                    <a:p>
-                      <a:pPr marL="0" marR="0" lvl="0" indent="0" algn="ctr" rtl="0">
-                        <a:lnSpc>
-                          <a:spcPct val="100000"/>
-                        </a:lnSpc>
-                        <a:spcBef>
-                          <a:spcPts val="0"/>
-                        </a:spcBef>
-                        <a:spcAft>
-                          <a:spcPts val="0"/>
-                        </a:spcAft>
-                        <a:buClr>
-                          <a:schemeClr val="dk1"/>
-                        </a:buClr>
-                        <a:buFont typeface="Arial"/>
-                        <a:buNone/>
-                      </a:pPr>
-                      <a:endParaRPr sz="1200" b="0" i="0" u="none" strike="noStrike" cap="none" baseline="0">
-                        <a:solidFill>
-                          <a:srgbClr val="000066"/>
-                        </a:solidFill>
-                        <a:latin typeface="Arial"/>
-                        <a:ea typeface="Arial"/>
-                        <a:cs typeface="Arial"/>
-                        <a:sym typeface="Arial"/>
-                      </a:endParaRPr>
-                    </a:p>
-                  </a:txBody>
-                  <a:tcPr marL="91450" marR="91450" marT="45725" marB="45725">
-                    <a:lnL w="12700" cap="flat">
-                      <a:solidFill>
-                        <a:schemeClr val="dk1"/>
-                      </a:solidFill>
-                      <a:prstDash val="solid"/>
-                      <a:round/>
-                      <a:headEnd type="none" w="med" len="med"/>
-                      <a:tailEnd type="none" w="med" len="med"/>
-                    </a:lnL>
-                    <a:lnR w="12700" cap="flat">
-                      <a:solidFill>
-                        <a:schemeClr val="dk1"/>
-                      </a:solidFill>
-                      <a:prstDash val="solid"/>
-                      <a:round/>
-                      <a:headEnd type="none" w="med" len="med"/>
-                      <a:tailEnd type="none" w="med" len="med"/>
-                    </a:lnR>
-                    <a:lnT w="12700" cap="flat">
-                      <a:solidFill>
-                        <a:schemeClr val="dk1"/>
-                      </a:solidFill>
-                      <a:prstDash val="solid"/>
-                      <a:round/>
-                      <a:headEnd type="none" w="med" len="med"/>
-                      <a:tailEnd type="none" w="med" len="med"/>
-                    </a:lnT>
-                    <a:lnB w="12700" cap="flat">
-                      <a:solidFill>
-                        <a:schemeClr val="dk1"/>
-                      </a:solidFill>
-                      <a:prstDash val="solid"/>
-                      <a:round/>
-                      <a:headEnd type="none" w="med" len="med"/>
-                      <a:tailEnd type="none" w="med" len="med"/>
-                    </a:lnB>
-                  </a:tcPr>
-                </a:tc>
-                <a:tc>
-                  <a:txBody>
-                    <a:bodyPr/>
-                    <a:lstStyle/>
-                    <a:p>
-                      <a:pPr marL="0" marR="0" lvl="0" indent="0" algn="l" rtl="0">
-                        <a:lnSpc>
-                          <a:spcPct val="100000"/>
-                        </a:lnSpc>
-                        <a:spcBef>
-                          <a:spcPts val="0"/>
-                        </a:spcBef>
-                        <a:spcAft>
-                          <a:spcPts val="0"/>
-                        </a:spcAft>
-                        <a:buClr>
-                          <a:schemeClr val="dk1"/>
-                        </a:buClr>
-                        <a:buFont typeface="Arial"/>
-                        <a:buNone/>
-                      </a:pPr>
-                      <a:endParaRPr sz="1200" b="0" i="0" u="none" strike="noStrike" cap="none" baseline="0">
-                        <a:solidFill>
-                          <a:srgbClr val="000066"/>
-                        </a:solidFill>
-                        <a:latin typeface="Arial"/>
-                        <a:ea typeface="Arial"/>
-                        <a:cs typeface="Arial"/>
-                        <a:sym typeface="Arial"/>
-                      </a:endParaRPr>
-                    </a:p>
-                  </a:txBody>
-                  <a:tcPr marL="91450" marR="91450" marT="45725" marB="45725">
                     <a:lnL w="12700" cap="flat">
                       <a:solidFill>
                         <a:schemeClr val="dk1"/>
@@ -39131,7 +39259,7 @@
                       <a:headEnd type="none" w="med" len="med"/>
                       <a:tailEnd type="none" w="med" len="med"/>
                     </a:lnR>
-                    <a:lnT w="12700" cap="flat">
+                    <a:lnT w="12700" cap="flat" cmpd="sng" algn="ctr">
                       <a:solidFill>
                         <a:schemeClr val="dk1"/>
                       </a:solidFill>
@@ -39279,7 +39407,7 @@
                       <a:headEnd type="none" w="med" len="med"/>
                       <a:tailEnd type="none" w="med" len="med"/>
                     </a:lnR>
-                    <a:lnT w="12700" cap="flat">
+                    <a:lnT w="12700" cap="flat" cmpd="sng" algn="ctr">
                       <a:solidFill>
                         <a:schemeClr val="dk1"/>
                       </a:solidFill>
@@ -39350,7 +39478,7 @@
                       <a:headEnd type="none" w="med" len="med"/>
                       <a:tailEnd type="none" w="med" len="med"/>
                     </a:lnR>
-                    <a:lnT w="12700" cap="flat">
+                    <a:lnT w="12700" cap="flat" cmpd="sng" algn="ctr">
                       <a:solidFill>
                         <a:schemeClr val="dk1"/>
                       </a:solidFill>
@@ -39421,7 +39549,7 @@
                       <a:headEnd type="none" w="med" len="med"/>
                       <a:tailEnd type="none" w="med" len="med"/>
                     </a:lnR>
-                    <a:lnT w="12700" cap="flat">
+                    <a:lnT w="12700" cap="flat" cmpd="sng" algn="ctr">
                       <a:solidFill>
                         <a:schemeClr val="dk1"/>
                       </a:solidFill>
@@ -39492,7 +39620,7 @@
                       <a:headEnd type="none" w="med" len="med"/>
                       <a:tailEnd type="none" w="med" len="med"/>
                     </a:lnR>
-                    <a:lnT w="12700" cap="flat">
+                    <a:lnT w="12700" cap="flat" cmpd="sng" algn="ctr">
                       <a:solidFill>
                         <a:schemeClr val="dk1"/>
                       </a:solidFill>
@@ -39563,7 +39691,7 @@
                       <a:headEnd type="none" w="med" len="med"/>
                       <a:tailEnd type="none" w="med" len="med"/>
                     </a:lnR>
-                    <a:lnT w="12700" cap="flat">
+                    <a:lnT w="12700" cap="flat" cmpd="sng" algn="ctr">
                       <a:solidFill>
                         <a:schemeClr val="dk1"/>
                       </a:solidFill>
@@ -39634,7 +39762,7 @@
                       <a:headEnd type="none" w="med" len="med"/>
                       <a:tailEnd type="none" w="med" len="med"/>
                     </a:lnR>
-                    <a:lnT w="12700" cap="flat">
+                    <a:lnT w="12700" cap="flat" cmpd="sng" algn="ctr">
                       <a:solidFill>
                         <a:schemeClr val="dk1"/>
                       </a:solidFill>
@@ -39823,7 +39951,7 @@
                         <a:buFont typeface="Arial"/>
                         <a:buNone/>
                       </a:pPr>
-                      <a:endParaRPr sz="1200" b="0" i="0" u="none" strike="noStrike" cap="none" baseline="0">
+                      <a:endParaRPr sz="1200" b="0" i="0" u="none" strike="noStrike" cap="none" baseline="0" dirty="0">
                         <a:solidFill>
                           <a:srgbClr val="000066"/>
                         </a:solidFill>
@@ -40107,7 +40235,7 @@
                         <a:buFont typeface="Arial"/>
                         <a:buNone/>
                       </a:pPr>
-                      <a:endParaRPr sz="1200" b="0" i="0" u="none" strike="noStrike" cap="none" baseline="0">
+                      <a:endParaRPr sz="1200" b="0" i="0" u="none" strike="noStrike" cap="none" baseline="0" dirty="0">
                         <a:solidFill>
                           <a:srgbClr val="000066"/>
                         </a:solidFill>
